--- a/IDPA/IDPA  - ISA - March 2019/Action Bay, A.pptx
+++ b/IDPA/IDPA  - ISA - March 2019/Action Bay, A.pptx
@@ -336,7 +336,7 @@
               <a:pPr>
                 <a:defRPr/>
               </a:pPr>
-              <a:t>28.02.2019</a:t>
+              <a:t>01.03.2019</a:t>
             </a:fld>
             <a:endParaRPr lang="en-US"/>
           </a:p>
@@ -4312,14 +4312,14 @@
           <p:nvPr>
             <p:extLst>
               <p:ext uri="{D42A27DB-BD31-4B8C-83A1-F6EECF244321}">
-                <p14:modId xmlns:p14="http://schemas.microsoft.com/office/powerpoint/2010/main" val="2440451591"/>
+                <p14:modId xmlns:p14="http://schemas.microsoft.com/office/powerpoint/2010/main" val="3422187608"/>
               </p:ext>
             </p:extLst>
           </p:nvPr>
         </p:nvGraphicFramePr>
         <p:xfrm>
           <a:off x="152400" y="152400"/>
-          <a:ext cx="7010400" cy="3962241"/>
+          <a:ext cx="7010400" cy="4254320"/>
         </p:xfrm>
         <a:graphic>
           <a:graphicData uri="http://schemas.openxmlformats.org/drawingml/2006/table">
@@ -4948,6 +4948,97 @@
                         </a:rPr>
                         <a:t>START POSITION: Standing in Start Box, facing T1.</a:t>
                       </a:r>
+                    </a:p>
+                    <a:p>
+                      <a:pPr marL="0" marR="0" lvl="0" indent="0" algn="l" defTabSz="966788" rtl="0" eaLnBrk="1" fontAlgn="base" latinLnBrk="0" hangingPunct="1">
+                        <a:lnSpc>
+                          <a:spcPct val="100000"/>
+                        </a:lnSpc>
+                        <a:spcBef>
+                          <a:spcPct val="5000"/>
+                        </a:spcBef>
+                        <a:spcAft>
+                          <a:spcPct val="0"/>
+                        </a:spcAft>
+                        <a:buClrTx/>
+                        <a:buSzTx/>
+                        <a:buFontTx/>
+                        <a:buNone/>
+                        <a:tabLst/>
+                      </a:pPr>
+                      <a:endParaRPr kumimoji="0" lang="en-US" sz="1100" b="1" i="0" u="none" strike="noStrike" cap="none" normalizeH="0" baseline="0" dirty="0">
+                        <a:ln>
+                          <a:noFill/>
+                        </a:ln>
+                        <a:solidFill>
+                          <a:schemeClr val="tx1"/>
+                        </a:solidFill>
+                        <a:effectLst/>
+                        <a:latin typeface="Arial" charset="0"/>
+                        <a:ea typeface="ＭＳ Ｐゴシック" pitchFamily="-112" charset="-128"/>
+                        <a:cs typeface="Times New Roman" pitchFamily="-112" charset="0"/>
+                      </a:endParaRPr>
+                    </a:p>
+                    <a:p>
+                      <a:pPr marL="0" marR="0" lvl="0" indent="0" algn="l" defTabSz="966788" rtl="0" eaLnBrk="1" fontAlgn="base" latinLnBrk="0" hangingPunct="1">
+                        <a:lnSpc>
+                          <a:spcPct val="100000"/>
+                        </a:lnSpc>
+                        <a:spcBef>
+                          <a:spcPct val="5000"/>
+                        </a:spcBef>
+                        <a:spcAft>
+                          <a:spcPct val="0"/>
+                        </a:spcAft>
+                        <a:buClrTx/>
+                        <a:buSzTx/>
+                        <a:buFontTx/>
+                        <a:buNone/>
+                        <a:tabLst/>
+                        <a:defRPr/>
+                      </a:pPr>
+                      <a:r>
+                        <a:rPr kumimoji="0" lang="en-US" sz="1100" b="1" i="0" u="none" strike="noStrike" cap="none" normalizeH="0" baseline="0" dirty="0">
+                          <a:ln>
+                            <a:noFill/>
+                          </a:ln>
+                          <a:solidFill>
+                            <a:schemeClr val="tx1"/>
+                          </a:solidFill>
+                          <a:effectLst/>
+                          <a:latin typeface="Arial" charset="0"/>
+                          <a:ea typeface="ＭＳ Ｐゴシック" pitchFamily="-112" charset="-128"/>
+                          <a:cs typeface="Times New Roman" pitchFamily="-112" charset="0"/>
+                        </a:rPr>
+                        <a:t>PCC: Standing in Start Box, facing T1. Stock touching belt, Muzzle resting on top of </a:t>
+                      </a:r>
+                      <a:r>
+                        <a:rPr kumimoji="0" lang="en-US" sz="1100" b="1" i="0" u="none" strike="noStrike" cap="none" normalizeH="0" baseline="0">
+                          <a:ln>
+                            <a:noFill/>
+                          </a:ln>
+                          <a:solidFill>
+                            <a:schemeClr val="tx1"/>
+                          </a:solidFill>
+                          <a:effectLst/>
+                          <a:latin typeface="Arial" charset="0"/>
+                          <a:ea typeface="ＭＳ Ｐゴシック" pitchFamily="-112" charset="-128"/>
+                          <a:cs typeface="Times New Roman" pitchFamily="-112" charset="0"/>
+                        </a:rPr>
+                        <a:t>barrel,.</a:t>
+                      </a:r>
+                      <a:endParaRPr kumimoji="0" lang="en-US" sz="1100" b="1" i="0" u="none" strike="noStrike" cap="none" normalizeH="0" baseline="0" dirty="0">
+                        <a:ln>
+                          <a:noFill/>
+                        </a:ln>
+                        <a:solidFill>
+                          <a:schemeClr val="tx1"/>
+                        </a:solidFill>
+                        <a:effectLst/>
+                        <a:latin typeface="Arial" charset="0"/>
+                        <a:ea typeface="ＭＳ Ｐゴシック" pitchFamily="-112" charset="-128"/>
+                        <a:cs typeface="Times New Roman" pitchFamily="-112" charset="0"/>
+                      </a:endParaRPr>
                     </a:p>
                   </a:txBody>
                   <a:tcPr marL="18288" marR="18288" marT="27429" marB="27429" horzOverflow="overflow">
@@ -5820,7 +5911,7 @@
         </p:nvCxnSpPr>
         <p:spPr>
           <a:xfrm flipH="1">
-            <a:off x="3099665" y="6743410"/>
+            <a:off x="3522423" y="6794327"/>
             <a:ext cx="1" cy="432183"/>
           </a:xfrm>
           <a:prstGeom prst="line">
@@ -5862,7 +5953,7 @@
         </p:nvSpPr>
         <p:spPr>
           <a:xfrm>
-            <a:off x="3080810" y="6838119"/>
+            <a:off x="3503568" y="6889036"/>
             <a:ext cx="533400" cy="369332"/>
           </a:xfrm>
           <a:prstGeom prst="rect">
@@ -6266,329 +6357,6 @@
           </a:fontRef>
         </p:style>
       </p:cxnSp>
-      <p:grpSp>
-        <p:nvGrpSpPr>
-          <p:cNvPr id="59" name="Group 175">
-            <a:extLst>
-              <a:ext uri="{FF2B5EF4-FFF2-40B4-BE49-F238E27FC236}">
-                <a16:creationId xmlns:a16="http://schemas.microsoft.com/office/drawing/2014/main" id="{4D6A448D-A9A8-4D5D-B4E0-CF3A5CC56CAF}"/>
-              </a:ext>
-            </a:extLst>
-          </p:cNvPr>
-          <p:cNvGrpSpPr>
-            <a:grpSpLocks/>
-          </p:cNvGrpSpPr>
-          <p:nvPr/>
-        </p:nvGrpSpPr>
-        <p:grpSpPr bwMode="auto">
-          <a:xfrm>
-            <a:off x="913391" y="8648422"/>
-            <a:ext cx="490538" cy="666750"/>
-            <a:chOff x="1176" y="5328"/>
-            <a:chExt cx="309" cy="420"/>
-          </a:xfrm>
-        </p:grpSpPr>
-        <p:sp>
-          <p:nvSpPr>
-            <p:cNvPr id="66" name="Line 176">
-              <a:extLst>
-                <a:ext uri="{FF2B5EF4-FFF2-40B4-BE49-F238E27FC236}">
-                  <a16:creationId xmlns:a16="http://schemas.microsoft.com/office/drawing/2014/main" id="{CED66447-CC52-45A3-ADA1-536DB8569803}"/>
-                </a:ext>
-              </a:extLst>
-            </p:cNvPr>
-            <p:cNvSpPr>
-              <a:spLocks noChangeShapeType="1"/>
-            </p:cNvSpPr>
-            <p:nvPr/>
-          </p:nvSpPr>
-          <p:spPr bwMode="auto">
-            <a:xfrm>
-              <a:off x="1478" y="5427"/>
-              <a:ext cx="0" cy="182"/>
-            </a:xfrm>
-            <a:prstGeom prst="line">
-              <a:avLst/>
-            </a:prstGeom>
-            <a:noFill/>
-            <a:ln w="25400">
-              <a:solidFill>
-                <a:schemeClr val="tx1"/>
-              </a:solidFill>
-              <a:round/>
-              <a:headEnd/>
-              <a:tailEnd/>
-            </a:ln>
-            <a:extLst>
-              <a:ext uri="{909E8E84-426E-40DD-AFC4-6F175D3DCCD1}">
-                <a14:hiddenFill xmlns:a14="http://schemas.microsoft.com/office/drawing/2010/main">
-                  <a:noFill/>
-                </a14:hiddenFill>
-              </a:ext>
-            </a:extLst>
-          </p:spPr>
-          <p:txBody>
-            <a:bodyPr wrap="none" lIns="0" tIns="0" rIns="0" bIns="0" anchor="ctr">
-              <a:spAutoFit/>
-            </a:bodyPr>
-            <a:lstStyle/>
-            <a:p>
-              <a:endParaRPr lang="en-US"/>
-            </a:p>
-          </p:txBody>
-        </p:sp>
-        <p:sp>
-          <p:nvSpPr>
-            <p:cNvPr id="67" name="Line 177">
-              <a:extLst>
-                <a:ext uri="{FF2B5EF4-FFF2-40B4-BE49-F238E27FC236}">
-                  <a16:creationId xmlns:a16="http://schemas.microsoft.com/office/drawing/2014/main" id="{0B811A64-97CC-46C2-84DB-E4983A750BF3}"/>
-                </a:ext>
-              </a:extLst>
-            </p:cNvPr>
-            <p:cNvSpPr>
-              <a:spLocks noChangeShapeType="1"/>
-            </p:cNvSpPr>
-            <p:nvPr/>
-          </p:nvSpPr>
-          <p:spPr bwMode="auto">
-            <a:xfrm>
-              <a:off x="1359" y="5351"/>
-              <a:ext cx="0" cy="227"/>
-            </a:xfrm>
-            <a:prstGeom prst="line">
-              <a:avLst/>
-            </a:prstGeom>
-            <a:noFill/>
-            <a:ln w="25400">
-              <a:solidFill>
-                <a:schemeClr val="tx1"/>
-              </a:solidFill>
-              <a:round/>
-              <a:headEnd/>
-              <a:tailEnd/>
-            </a:ln>
-            <a:extLst>
-              <a:ext uri="{909E8E84-426E-40DD-AFC4-6F175D3DCCD1}">
-                <a14:hiddenFill xmlns:a14="http://schemas.microsoft.com/office/drawing/2010/main">
-                  <a:noFill/>
-                </a14:hiddenFill>
-              </a:ext>
-            </a:extLst>
-          </p:spPr>
-          <p:txBody>
-            <a:bodyPr wrap="none" lIns="0" tIns="0" rIns="0" bIns="0" anchor="ctr">
-              <a:spAutoFit/>
-            </a:bodyPr>
-            <a:lstStyle/>
-            <a:p>
-              <a:endParaRPr lang="en-US"/>
-            </a:p>
-          </p:txBody>
-        </p:sp>
-        <p:sp>
-          <p:nvSpPr>
-            <p:cNvPr id="68" name="Freeform 178">
-              <a:extLst>
-                <a:ext uri="{FF2B5EF4-FFF2-40B4-BE49-F238E27FC236}">
-                  <a16:creationId xmlns:a16="http://schemas.microsoft.com/office/drawing/2014/main" id="{A6010751-BB0F-4241-8EF6-1DE4D6F4F8D3}"/>
-                </a:ext>
-              </a:extLst>
-            </p:cNvPr>
-            <p:cNvSpPr>
-              <a:spLocks/>
-            </p:cNvSpPr>
-            <p:nvPr/>
-          </p:nvSpPr>
-          <p:spPr bwMode="auto">
-            <a:xfrm>
-              <a:off x="1176" y="5328"/>
-              <a:ext cx="309" cy="238"/>
-            </a:xfrm>
-            <a:custGeom>
-              <a:avLst/>
-              <a:gdLst>
-                <a:gd name="T0" fmla="*/ 0 w 309"/>
-                <a:gd name="T1" fmla="*/ 108 h 238"/>
-                <a:gd name="T2" fmla="*/ 113 w 309"/>
-                <a:gd name="T3" fmla="*/ 238 h 238"/>
-                <a:gd name="T4" fmla="*/ 309 w 309"/>
-                <a:gd name="T5" fmla="*/ 93 h 238"/>
-                <a:gd name="T6" fmla="*/ 183 w 309"/>
-                <a:gd name="T7" fmla="*/ 0 h 238"/>
-                <a:gd name="T8" fmla="*/ 0 w 309"/>
-                <a:gd name="T9" fmla="*/ 108 h 238"/>
-                <a:gd name="T10" fmla="*/ 0 60000 65536"/>
-                <a:gd name="T11" fmla="*/ 0 60000 65536"/>
-                <a:gd name="T12" fmla="*/ 0 60000 65536"/>
-                <a:gd name="T13" fmla="*/ 0 60000 65536"/>
-                <a:gd name="T14" fmla="*/ 0 60000 65536"/>
-                <a:gd name="T15" fmla="*/ 0 w 309"/>
-                <a:gd name="T16" fmla="*/ 0 h 238"/>
-                <a:gd name="T17" fmla="*/ 309 w 309"/>
-                <a:gd name="T18" fmla="*/ 238 h 238"/>
-              </a:gdLst>
-              <a:ahLst/>
-              <a:cxnLst>
-                <a:cxn ang="T10">
-                  <a:pos x="T0" y="T1"/>
-                </a:cxn>
-                <a:cxn ang="T11">
-                  <a:pos x="T2" y="T3"/>
-                </a:cxn>
-                <a:cxn ang="T12">
-                  <a:pos x="T4" y="T5"/>
-                </a:cxn>
-                <a:cxn ang="T13">
-                  <a:pos x="T6" y="T7"/>
-                </a:cxn>
-                <a:cxn ang="T14">
-                  <a:pos x="T8" y="T9"/>
-                </a:cxn>
-              </a:cxnLst>
-              <a:rect l="T15" t="T16" r="T17" b="T18"/>
-              <a:pathLst>
-                <a:path w="309" h="238">
-                  <a:moveTo>
-                    <a:pt x="0" y="108"/>
-                  </a:moveTo>
-                  <a:lnTo>
-                    <a:pt x="113" y="238"/>
-                  </a:lnTo>
-                  <a:lnTo>
-                    <a:pt x="309" y="93"/>
-                  </a:lnTo>
-                  <a:lnTo>
-                    <a:pt x="183" y="0"/>
-                  </a:lnTo>
-                  <a:lnTo>
-                    <a:pt x="0" y="108"/>
-                  </a:lnTo>
-                  <a:close/>
-                </a:path>
-              </a:pathLst>
-            </a:custGeom>
-            <a:solidFill>
-              <a:schemeClr val="accent1"/>
-            </a:solidFill>
-            <a:ln w="9525">
-              <a:solidFill>
-                <a:schemeClr val="tx1"/>
-              </a:solidFill>
-              <a:round/>
-              <a:headEnd/>
-              <a:tailEnd/>
-            </a:ln>
-          </p:spPr>
-          <p:txBody>
-            <a:bodyPr wrap="none" lIns="0" tIns="0" rIns="0" bIns="0" anchor="ctr">
-              <a:spAutoFit/>
-            </a:bodyPr>
-            <a:lstStyle/>
-            <a:p>
-              <a:endParaRPr lang="en-US"/>
-            </a:p>
-          </p:txBody>
-        </p:sp>
-        <p:sp>
-          <p:nvSpPr>
-            <p:cNvPr id="69" name="Line 179">
-              <a:extLst>
-                <a:ext uri="{FF2B5EF4-FFF2-40B4-BE49-F238E27FC236}">
-                  <a16:creationId xmlns:a16="http://schemas.microsoft.com/office/drawing/2014/main" id="{2333F4E6-8858-4EF8-8A4F-42BA456FD523}"/>
-                </a:ext>
-              </a:extLst>
-            </p:cNvPr>
-            <p:cNvSpPr>
-              <a:spLocks noChangeShapeType="1"/>
-            </p:cNvSpPr>
-            <p:nvPr/>
-          </p:nvSpPr>
-          <p:spPr bwMode="auto">
-            <a:xfrm>
-              <a:off x="1294" y="5566"/>
-              <a:ext cx="0" cy="182"/>
-            </a:xfrm>
-            <a:prstGeom prst="line">
-              <a:avLst/>
-            </a:prstGeom>
-            <a:noFill/>
-            <a:ln w="25400">
-              <a:solidFill>
-                <a:schemeClr val="tx1"/>
-              </a:solidFill>
-              <a:round/>
-              <a:headEnd/>
-              <a:tailEnd/>
-            </a:ln>
-            <a:extLst>
-              <a:ext uri="{909E8E84-426E-40DD-AFC4-6F175D3DCCD1}">
-                <a14:hiddenFill xmlns:a14="http://schemas.microsoft.com/office/drawing/2010/main">
-                  <a:noFill/>
-                </a14:hiddenFill>
-              </a:ext>
-            </a:extLst>
-          </p:spPr>
-          <p:txBody>
-            <a:bodyPr wrap="none" lIns="0" tIns="0" rIns="0" bIns="0" anchor="ctr">
-              <a:spAutoFit/>
-            </a:bodyPr>
-            <a:lstStyle/>
-            <a:p>
-              <a:endParaRPr lang="en-US"/>
-            </a:p>
-          </p:txBody>
-        </p:sp>
-        <p:sp>
-          <p:nvSpPr>
-            <p:cNvPr id="70" name="Line 180">
-              <a:extLst>
-                <a:ext uri="{FF2B5EF4-FFF2-40B4-BE49-F238E27FC236}">
-                  <a16:creationId xmlns:a16="http://schemas.microsoft.com/office/drawing/2014/main" id="{DDE909E2-5753-430A-85EA-F957C81183F5}"/>
-                </a:ext>
-              </a:extLst>
-            </p:cNvPr>
-            <p:cNvSpPr>
-              <a:spLocks noChangeShapeType="1"/>
-            </p:cNvSpPr>
-            <p:nvPr/>
-          </p:nvSpPr>
-          <p:spPr bwMode="auto">
-            <a:xfrm>
-              <a:off x="1181" y="5442"/>
-              <a:ext cx="0" cy="181"/>
-            </a:xfrm>
-            <a:prstGeom prst="line">
-              <a:avLst/>
-            </a:prstGeom>
-            <a:noFill/>
-            <a:ln w="25400">
-              <a:solidFill>
-                <a:schemeClr val="tx1"/>
-              </a:solidFill>
-              <a:round/>
-              <a:headEnd/>
-              <a:tailEnd/>
-            </a:ln>
-            <a:extLst>
-              <a:ext uri="{909E8E84-426E-40DD-AFC4-6F175D3DCCD1}">
-                <a14:hiddenFill xmlns:a14="http://schemas.microsoft.com/office/drawing/2010/main">
-                  <a:noFill/>
-                </a14:hiddenFill>
-              </a:ext>
-            </a:extLst>
-          </p:spPr>
-          <p:txBody>
-            <a:bodyPr wrap="none" lIns="0" tIns="0" rIns="0" bIns="0" anchor="ctr">
-              <a:spAutoFit/>
-            </a:bodyPr>
-            <a:lstStyle/>
-            <a:p>
-              <a:endParaRPr lang="en-US"/>
-            </a:p>
-          </p:txBody>
-        </p:sp>
-      </p:grpSp>
       <p:grpSp>
         <p:nvGrpSpPr>
           <p:cNvPr id="93" name="Group 29">
@@ -8566,329 +8334,308 @@
           </p:txBody>
         </p:sp>
       </p:grpSp>
-      <p:grpSp>
-        <p:nvGrpSpPr>
-          <p:cNvPr id="44" name="Group 43">
+      <p:sp>
+        <p:nvSpPr>
+          <p:cNvPr id="45" name="Rectangle 22">
             <a:extLst>
               <a:ext uri="{FF2B5EF4-FFF2-40B4-BE49-F238E27FC236}">
-                <a16:creationId xmlns:a16="http://schemas.microsoft.com/office/drawing/2014/main" id="{8A996FC0-1153-492F-A6A3-74A602DD3B1D}"/>
+                <a16:creationId xmlns:a16="http://schemas.microsoft.com/office/drawing/2014/main" id="{29B98F52-DFCB-494D-82FB-AA0FD3FDB777}"/>
               </a:ext>
             </a:extLst>
           </p:cNvPr>
-          <p:cNvGrpSpPr/>
+          <p:cNvSpPr>
+            <a:spLocks noChangeArrowheads="1"/>
+          </p:cNvSpPr>
           <p:nvPr/>
-        </p:nvGrpSpPr>
-        <p:grpSpPr>
+        </p:nvSpPr>
+        <p:spPr bwMode="auto">
           <a:xfrm>
-            <a:off x="2288454" y="5665497"/>
-            <a:ext cx="1314450" cy="1077913"/>
-            <a:chOff x="1200151" y="6839083"/>
-            <a:chExt cx="1314450" cy="1077913"/>
+            <a:off x="2288454" y="5665498"/>
+            <a:ext cx="1314450" cy="674688"/>
           </a:xfrm>
-        </p:grpSpPr>
-        <p:sp>
-          <p:nvSpPr>
-            <p:cNvPr id="45" name="Rectangle 22">
-              <a:extLst>
-                <a:ext uri="{FF2B5EF4-FFF2-40B4-BE49-F238E27FC236}">
-                  <a16:creationId xmlns:a16="http://schemas.microsoft.com/office/drawing/2014/main" id="{29B98F52-DFCB-494D-82FB-AA0FD3FDB777}"/>
-                </a:ext>
-              </a:extLst>
-            </p:cNvPr>
-            <p:cNvSpPr>
-              <a:spLocks noChangeArrowheads="1"/>
-            </p:cNvSpPr>
-            <p:nvPr/>
-          </p:nvSpPr>
-          <p:spPr bwMode="auto">
-            <a:xfrm>
-              <a:off x="1200151" y="6839083"/>
-              <a:ext cx="1314450" cy="1077913"/>
-            </a:xfrm>
-            <a:prstGeom prst="rect">
-              <a:avLst/>
-            </a:prstGeom>
+          <a:prstGeom prst="rect">
+            <a:avLst/>
+          </a:prstGeom>
+          <a:solidFill>
+            <a:schemeClr val="accent1">
+              <a:alpha val="50195"/>
+            </a:schemeClr>
+          </a:solidFill>
+          <a:ln w="9525">
             <a:solidFill>
-              <a:schemeClr val="accent1">
-                <a:alpha val="50195"/>
-              </a:schemeClr>
+              <a:schemeClr val="tx1"/>
             </a:solidFill>
-            <a:ln w="9525">
-              <a:solidFill>
-                <a:schemeClr val="tx1"/>
-              </a:solidFill>
-              <a:miter lim="800000"/>
-              <a:headEnd/>
-              <a:tailEnd/>
-            </a:ln>
-          </p:spPr>
-          <p:txBody>
-            <a:bodyPr wrap="none" anchor="ctr"/>
-            <a:lstStyle>
-              <a:lvl1pPr eaLnBrk="0" hangingPunct="0">
-                <a:defRPr>
-                  <a:solidFill>
-                    <a:schemeClr val="tx1"/>
-                  </a:solidFill>
-                  <a:latin typeface="Arial" panose="020B0604020202020204" pitchFamily="34" charset="0"/>
-                  <a:ea typeface="ＭＳ Ｐゴシック" panose="020B0600070205080204" pitchFamily="34" charset="-128"/>
-                </a:defRPr>
-              </a:lvl1pPr>
-              <a:lvl2pPr marL="742950" indent="-285750" eaLnBrk="0" hangingPunct="0">
-                <a:defRPr>
-                  <a:solidFill>
-                    <a:schemeClr val="tx1"/>
-                  </a:solidFill>
-                  <a:latin typeface="Arial" panose="020B0604020202020204" pitchFamily="34" charset="0"/>
-                  <a:ea typeface="ＭＳ Ｐゴシック" panose="020B0600070205080204" pitchFamily="34" charset="-128"/>
-                </a:defRPr>
-              </a:lvl2pPr>
-              <a:lvl3pPr marL="1143000" indent="-228600" eaLnBrk="0" hangingPunct="0">
-                <a:defRPr>
-                  <a:solidFill>
-                    <a:schemeClr val="tx1"/>
-                  </a:solidFill>
-                  <a:latin typeface="Arial" panose="020B0604020202020204" pitchFamily="34" charset="0"/>
-                  <a:ea typeface="ＭＳ Ｐゴシック" panose="020B0600070205080204" pitchFamily="34" charset="-128"/>
-                </a:defRPr>
-              </a:lvl3pPr>
-              <a:lvl4pPr marL="1600200" indent="-228600" eaLnBrk="0" hangingPunct="0">
-                <a:defRPr>
-                  <a:solidFill>
-                    <a:schemeClr val="tx1"/>
-                  </a:solidFill>
-                  <a:latin typeface="Arial" panose="020B0604020202020204" pitchFamily="34" charset="0"/>
-                  <a:ea typeface="ＭＳ Ｐゴシック" panose="020B0600070205080204" pitchFamily="34" charset="-128"/>
-                </a:defRPr>
-              </a:lvl4pPr>
-              <a:lvl5pPr marL="2057400" indent="-228600" eaLnBrk="0" hangingPunct="0">
-                <a:defRPr>
-                  <a:solidFill>
-                    <a:schemeClr val="tx1"/>
-                  </a:solidFill>
-                  <a:latin typeface="Arial" panose="020B0604020202020204" pitchFamily="34" charset="0"/>
-                  <a:ea typeface="ＭＳ Ｐゴシック" panose="020B0600070205080204" pitchFamily="34" charset="-128"/>
-                </a:defRPr>
-              </a:lvl5pPr>
-              <a:lvl6pPr marL="2514600" indent="-228600" eaLnBrk="0" fontAlgn="base" hangingPunct="0">
-                <a:spcBef>
-                  <a:spcPct val="0"/>
-                </a:spcBef>
-                <a:spcAft>
-                  <a:spcPct val="0"/>
-                </a:spcAft>
-                <a:defRPr>
-                  <a:solidFill>
-                    <a:schemeClr val="tx1"/>
-                  </a:solidFill>
-                  <a:latin typeface="Arial" panose="020B0604020202020204" pitchFamily="34" charset="0"/>
-                  <a:ea typeface="ＭＳ Ｐゴシック" panose="020B0600070205080204" pitchFamily="34" charset="-128"/>
-                </a:defRPr>
-              </a:lvl6pPr>
-              <a:lvl7pPr marL="2971800" indent="-228600" eaLnBrk="0" fontAlgn="base" hangingPunct="0">
-                <a:spcBef>
-                  <a:spcPct val="0"/>
-                </a:spcBef>
-                <a:spcAft>
-                  <a:spcPct val="0"/>
-                </a:spcAft>
-                <a:defRPr>
-                  <a:solidFill>
-                    <a:schemeClr val="tx1"/>
-                  </a:solidFill>
-                  <a:latin typeface="Arial" panose="020B0604020202020204" pitchFamily="34" charset="0"/>
-                  <a:ea typeface="ＭＳ Ｐゴシック" panose="020B0600070205080204" pitchFamily="34" charset="-128"/>
-                </a:defRPr>
-              </a:lvl7pPr>
-              <a:lvl8pPr marL="3429000" indent="-228600" eaLnBrk="0" fontAlgn="base" hangingPunct="0">
-                <a:spcBef>
-                  <a:spcPct val="0"/>
-                </a:spcBef>
-                <a:spcAft>
-                  <a:spcPct val="0"/>
-                </a:spcAft>
-                <a:defRPr>
-                  <a:solidFill>
-                    <a:schemeClr val="tx1"/>
-                  </a:solidFill>
-                  <a:latin typeface="Arial" panose="020B0604020202020204" pitchFamily="34" charset="0"/>
-                  <a:ea typeface="ＭＳ Ｐゴシック" panose="020B0600070205080204" pitchFamily="34" charset="-128"/>
-                </a:defRPr>
-              </a:lvl8pPr>
-              <a:lvl9pPr marL="3886200" indent="-228600" eaLnBrk="0" fontAlgn="base" hangingPunct="0">
-                <a:spcBef>
-                  <a:spcPct val="0"/>
-                </a:spcBef>
-                <a:spcAft>
-                  <a:spcPct val="0"/>
-                </a:spcAft>
-                <a:defRPr>
-                  <a:solidFill>
-                    <a:schemeClr val="tx1"/>
-                  </a:solidFill>
-                  <a:latin typeface="Arial" panose="020B0604020202020204" pitchFamily="34" charset="0"/>
-                  <a:ea typeface="ＭＳ Ｐゴシック" panose="020B0600070205080204" pitchFamily="34" charset="-128"/>
-                </a:defRPr>
-              </a:lvl9pPr>
-            </a:lstStyle>
-            <a:p>
-              <a:pPr eaLnBrk="1" hangingPunct="1"/>
-              <a:endParaRPr lang="en-US" altLang="en-US"/>
-            </a:p>
-          </p:txBody>
-        </p:sp>
-        <p:sp>
-          <p:nvSpPr>
-            <p:cNvPr id="46" name="Rectangle 23">
-              <a:extLst>
-                <a:ext uri="{FF2B5EF4-FFF2-40B4-BE49-F238E27FC236}">
-                  <a16:creationId xmlns:a16="http://schemas.microsoft.com/office/drawing/2014/main" id="{11797686-298D-40DF-B59F-C9D82DB0B9DA}"/>
-                </a:ext>
-              </a:extLst>
-            </p:cNvPr>
-            <p:cNvSpPr>
-              <a:spLocks noChangeArrowheads="1"/>
-            </p:cNvSpPr>
-            <p:nvPr/>
-          </p:nvSpPr>
-          <p:spPr bwMode="auto">
-            <a:xfrm>
-              <a:off x="1635125" y="7020058"/>
-              <a:ext cx="376238" cy="493713"/>
-            </a:xfrm>
-            <a:prstGeom prst="rect">
-              <a:avLst/>
-            </a:prstGeom>
+            <a:miter lim="800000"/>
+            <a:headEnd/>
+            <a:tailEnd/>
+          </a:ln>
+        </p:spPr>
+        <p:txBody>
+          <a:bodyPr wrap="none" anchor="ctr"/>
+          <a:lstStyle>
+            <a:lvl1pPr eaLnBrk="0" hangingPunct="0">
+              <a:defRPr>
+                <a:solidFill>
+                  <a:schemeClr val="tx1"/>
+                </a:solidFill>
+                <a:latin typeface="Arial" panose="020B0604020202020204" pitchFamily="34" charset="0"/>
+                <a:ea typeface="ＭＳ Ｐゴシック" panose="020B0600070205080204" pitchFamily="34" charset="-128"/>
+              </a:defRPr>
+            </a:lvl1pPr>
+            <a:lvl2pPr marL="742950" indent="-285750" eaLnBrk="0" hangingPunct="0">
+              <a:defRPr>
+                <a:solidFill>
+                  <a:schemeClr val="tx1"/>
+                </a:solidFill>
+                <a:latin typeface="Arial" panose="020B0604020202020204" pitchFamily="34" charset="0"/>
+                <a:ea typeface="ＭＳ Ｐゴシック" panose="020B0600070205080204" pitchFamily="34" charset="-128"/>
+              </a:defRPr>
+            </a:lvl2pPr>
+            <a:lvl3pPr marL="1143000" indent="-228600" eaLnBrk="0" hangingPunct="0">
+              <a:defRPr>
+                <a:solidFill>
+                  <a:schemeClr val="tx1"/>
+                </a:solidFill>
+                <a:latin typeface="Arial" panose="020B0604020202020204" pitchFamily="34" charset="0"/>
+                <a:ea typeface="ＭＳ Ｐゴシック" panose="020B0600070205080204" pitchFamily="34" charset="-128"/>
+              </a:defRPr>
+            </a:lvl3pPr>
+            <a:lvl4pPr marL="1600200" indent="-228600" eaLnBrk="0" hangingPunct="0">
+              <a:defRPr>
+                <a:solidFill>
+                  <a:schemeClr val="tx1"/>
+                </a:solidFill>
+                <a:latin typeface="Arial" panose="020B0604020202020204" pitchFamily="34" charset="0"/>
+                <a:ea typeface="ＭＳ Ｐゴシック" panose="020B0600070205080204" pitchFamily="34" charset="-128"/>
+              </a:defRPr>
+            </a:lvl4pPr>
+            <a:lvl5pPr marL="2057400" indent="-228600" eaLnBrk="0" hangingPunct="0">
+              <a:defRPr>
+                <a:solidFill>
+                  <a:schemeClr val="tx1"/>
+                </a:solidFill>
+                <a:latin typeface="Arial" panose="020B0604020202020204" pitchFamily="34" charset="0"/>
+                <a:ea typeface="ＭＳ Ｐゴシック" panose="020B0600070205080204" pitchFamily="34" charset="-128"/>
+              </a:defRPr>
+            </a:lvl5pPr>
+            <a:lvl6pPr marL="2514600" indent="-228600" eaLnBrk="0" fontAlgn="base" hangingPunct="0">
+              <a:spcBef>
+                <a:spcPct val="0"/>
+              </a:spcBef>
+              <a:spcAft>
+                <a:spcPct val="0"/>
+              </a:spcAft>
+              <a:defRPr>
+                <a:solidFill>
+                  <a:schemeClr val="tx1"/>
+                </a:solidFill>
+                <a:latin typeface="Arial" panose="020B0604020202020204" pitchFamily="34" charset="0"/>
+                <a:ea typeface="ＭＳ Ｐゴシック" panose="020B0600070205080204" pitchFamily="34" charset="-128"/>
+              </a:defRPr>
+            </a:lvl6pPr>
+            <a:lvl7pPr marL="2971800" indent="-228600" eaLnBrk="0" fontAlgn="base" hangingPunct="0">
+              <a:spcBef>
+                <a:spcPct val="0"/>
+              </a:spcBef>
+              <a:spcAft>
+                <a:spcPct val="0"/>
+              </a:spcAft>
+              <a:defRPr>
+                <a:solidFill>
+                  <a:schemeClr val="tx1"/>
+                </a:solidFill>
+                <a:latin typeface="Arial" panose="020B0604020202020204" pitchFamily="34" charset="0"/>
+                <a:ea typeface="ＭＳ Ｐゴシック" panose="020B0600070205080204" pitchFamily="34" charset="-128"/>
+              </a:defRPr>
+            </a:lvl7pPr>
+            <a:lvl8pPr marL="3429000" indent="-228600" eaLnBrk="0" fontAlgn="base" hangingPunct="0">
+              <a:spcBef>
+                <a:spcPct val="0"/>
+              </a:spcBef>
+              <a:spcAft>
+                <a:spcPct val="0"/>
+              </a:spcAft>
+              <a:defRPr>
+                <a:solidFill>
+                  <a:schemeClr val="tx1"/>
+                </a:solidFill>
+                <a:latin typeface="Arial" panose="020B0604020202020204" pitchFamily="34" charset="0"/>
+                <a:ea typeface="ＭＳ Ｐゴシック" panose="020B0600070205080204" pitchFamily="34" charset="-128"/>
+              </a:defRPr>
+            </a:lvl8pPr>
+            <a:lvl9pPr marL="3886200" indent="-228600" eaLnBrk="0" fontAlgn="base" hangingPunct="0">
+              <a:spcBef>
+                <a:spcPct val="0"/>
+              </a:spcBef>
+              <a:spcAft>
+                <a:spcPct val="0"/>
+              </a:spcAft>
+              <a:defRPr>
+                <a:solidFill>
+                  <a:schemeClr val="tx1"/>
+                </a:solidFill>
+                <a:latin typeface="Arial" panose="020B0604020202020204" pitchFamily="34" charset="0"/>
+                <a:ea typeface="ＭＳ Ｐゴシック" panose="020B0600070205080204" pitchFamily="34" charset="-128"/>
+              </a:defRPr>
+            </a:lvl9pPr>
+          </a:lstStyle>
+          <a:p>
+            <a:pPr eaLnBrk="1" hangingPunct="1"/>
+            <a:endParaRPr lang="en-US" altLang="en-US"/>
+          </a:p>
+        </p:txBody>
+      </p:sp>
+      <p:sp>
+        <p:nvSpPr>
+          <p:cNvPr id="46" name="Rectangle 23">
+            <a:extLst>
+              <a:ext uri="{FF2B5EF4-FFF2-40B4-BE49-F238E27FC236}">
+                <a16:creationId xmlns:a16="http://schemas.microsoft.com/office/drawing/2014/main" id="{11797686-298D-40DF-B59F-C9D82DB0B9DA}"/>
+              </a:ext>
+            </a:extLst>
+          </p:cNvPr>
+          <p:cNvSpPr>
+            <a:spLocks noChangeArrowheads="1"/>
+          </p:cNvSpPr>
+          <p:nvPr/>
+        </p:nvSpPr>
+        <p:spPr bwMode="auto">
+          <a:xfrm>
+            <a:off x="3149804" y="6336180"/>
+            <a:ext cx="477413" cy="421213"/>
+          </a:xfrm>
+          <a:prstGeom prst="rect">
+            <a:avLst/>
+          </a:prstGeom>
+          <a:solidFill>
+            <a:schemeClr val="bg1">
+              <a:alpha val="50195"/>
+            </a:schemeClr>
+          </a:solidFill>
+          <a:ln w="9525">
             <a:solidFill>
-              <a:schemeClr val="bg1">
-                <a:alpha val="50195"/>
-              </a:schemeClr>
+              <a:schemeClr val="tx1"/>
             </a:solidFill>
-            <a:ln w="9525">
-              <a:solidFill>
-                <a:schemeClr val="tx1"/>
-              </a:solidFill>
-              <a:miter lim="800000"/>
-              <a:headEnd/>
-              <a:tailEnd/>
-            </a:ln>
-          </p:spPr>
-          <p:txBody>
-            <a:bodyPr wrap="none" anchor="ctr"/>
-            <a:lstStyle>
-              <a:lvl1pPr eaLnBrk="0" hangingPunct="0">
-                <a:defRPr>
-                  <a:solidFill>
-                    <a:schemeClr val="tx1"/>
-                  </a:solidFill>
-                  <a:latin typeface="Arial" panose="020B0604020202020204" pitchFamily="34" charset="0"/>
-                  <a:ea typeface="ＭＳ Ｐゴシック" panose="020B0600070205080204" pitchFamily="34" charset="-128"/>
-                </a:defRPr>
-              </a:lvl1pPr>
-              <a:lvl2pPr marL="742950" indent="-285750" eaLnBrk="0" hangingPunct="0">
-                <a:defRPr>
-                  <a:solidFill>
-                    <a:schemeClr val="tx1"/>
-                  </a:solidFill>
-                  <a:latin typeface="Arial" panose="020B0604020202020204" pitchFamily="34" charset="0"/>
-                  <a:ea typeface="ＭＳ Ｐゴシック" panose="020B0600070205080204" pitchFamily="34" charset="-128"/>
-                </a:defRPr>
-              </a:lvl2pPr>
-              <a:lvl3pPr marL="1143000" indent="-228600" eaLnBrk="0" hangingPunct="0">
-                <a:defRPr>
-                  <a:solidFill>
-                    <a:schemeClr val="tx1"/>
-                  </a:solidFill>
-                  <a:latin typeface="Arial" panose="020B0604020202020204" pitchFamily="34" charset="0"/>
-                  <a:ea typeface="ＭＳ Ｐゴシック" panose="020B0600070205080204" pitchFamily="34" charset="-128"/>
-                </a:defRPr>
-              </a:lvl3pPr>
-              <a:lvl4pPr marL="1600200" indent="-228600" eaLnBrk="0" hangingPunct="0">
-                <a:defRPr>
-                  <a:solidFill>
-                    <a:schemeClr val="tx1"/>
-                  </a:solidFill>
-                  <a:latin typeface="Arial" panose="020B0604020202020204" pitchFamily="34" charset="0"/>
-                  <a:ea typeface="ＭＳ Ｐゴシック" panose="020B0600070205080204" pitchFamily="34" charset="-128"/>
-                </a:defRPr>
-              </a:lvl4pPr>
-              <a:lvl5pPr marL="2057400" indent="-228600" eaLnBrk="0" hangingPunct="0">
-                <a:defRPr>
-                  <a:solidFill>
-                    <a:schemeClr val="tx1"/>
-                  </a:solidFill>
-                  <a:latin typeface="Arial" panose="020B0604020202020204" pitchFamily="34" charset="0"/>
-                  <a:ea typeface="ＭＳ Ｐゴシック" panose="020B0600070205080204" pitchFamily="34" charset="-128"/>
-                </a:defRPr>
-              </a:lvl5pPr>
-              <a:lvl6pPr marL="2514600" indent="-228600" eaLnBrk="0" fontAlgn="base" hangingPunct="0">
-                <a:spcBef>
-                  <a:spcPct val="0"/>
-                </a:spcBef>
-                <a:spcAft>
-                  <a:spcPct val="0"/>
-                </a:spcAft>
-                <a:defRPr>
-                  <a:solidFill>
-                    <a:schemeClr val="tx1"/>
-                  </a:solidFill>
-                  <a:latin typeface="Arial" panose="020B0604020202020204" pitchFamily="34" charset="0"/>
-                  <a:ea typeface="ＭＳ Ｐゴシック" panose="020B0600070205080204" pitchFamily="34" charset="-128"/>
-                </a:defRPr>
-              </a:lvl6pPr>
-              <a:lvl7pPr marL="2971800" indent="-228600" eaLnBrk="0" fontAlgn="base" hangingPunct="0">
-                <a:spcBef>
-                  <a:spcPct val="0"/>
-                </a:spcBef>
-                <a:spcAft>
-                  <a:spcPct val="0"/>
-                </a:spcAft>
-                <a:defRPr>
-                  <a:solidFill>
-                    <a:schemeClr val="tx1"/>
-                  </a:solidFill>
-                  <a:latin typeface="Arial" panose="020B0604020202020204" pitchFamily="34" charset="0"/>
-                  <a:ea typeface="ＭＳ Ｐゴシック" panose="020B0600070205080204" pitchFamily="34" charset="-128"/>
-                </a:defRPr>
-              </a:lvl7pPr>
-              <a:lvl8pPr marL="3429000" indent="-228600" eaLnBrk="0" fontAlgn="base" hangingPunct="0">
-                <a:spcBef>
-                  <a:spcPct val="0"/>
-                </a:spcBef>
-                <a:spcAft>
-                  <a:spcPct val="0"/>
-                </a:spcAft>
-                <a:defRPr>
-                  <a:solidFill>
-                    <a:schemeClr val="tx1"/>
-                  </a:solidFill>
-                  <a:latin typeface="Arial" panose="020B0604020202020204" pitchFamily="34" charset="0"/>
-                  <a:ea typeface="ＭＳ Ｐゴシック" panose="020B0600070205080204" pitchFamily="34" charset="-128"/>
-                </a:defRPr>
-              </a:lvl8pPr>
-              <a:lvl9pPr marL="3886200" indent="-228600" eaLnBrk="0" fontAlgn="base" hangingPunct="0">
-                <a:spcBef>
-                  <a:spcPct val="0"/>
-                </a:spcBef>
-                <a:spcAft>
-                  <a:spcPct val="0"/>
-                </a:spcAft>
-                <a:defRPr>
-                  <a:solidFill>
-                    <a:schemeClr val="tx1"/>
-                  </a:solidFill>
-                  <a:latin typeface="Arial" panose="020B0604020202020204" pitchFamily="34" charset="0"/>
-                  <a:ea typeface="ＭＳ Ｐゴシック" panose="020B0600070205080204" pitchFamily="34" charset="-128"/>
-                </a:defRPr>
-              </a:lvl9pPr>
-            </a:lstStyle>
-            <a:p>
-              <a:pPr eaLnBrk="1" hangingPunct="1"/>
-              <a:endParaRPr lang="en-US" altLang="en-US"/>
-            </a:p>
-          </p:txBody>
-        </p:sp>
-      </p:grpSp>
+            <a:miter lim="800000"/>
+            <a:headEnd/>
+            <a:tailEnd/>
+          </a:ln>
+        </p:spPr>
+        <p:txBody>
+          <a:bodyPr wrap="none" anchor="ctr"/>
+          <a:lstStyle>
+            <a:lvl1pPr eaLnBrk="0" hangingPunct="0">
+              <a:defRPr>
+                <a:solidFill>
+                  <a:schemeClr val="tx1"/>
+                </a:solidFill>
+                <a:latin typeface="Arial" panose="020B0604020202020204" pitchFamily="34" charset="0"/>
+                <a:ea typeface="ＭＳ Ｐゴシック" panose="020B0600070205080204" pitchFamily="34" charset="-128"/>
+              </a:defRPr>
+            </a:lvl1pPr>
+            <a:lvl2pPr marL="742950" indent="-285750" eaLnBrk="0" hangingPunct="0">
+              <a:defRPr>
+                <a:solidFill>
+                  <a:schemeClr val="tx1"/>
+                </a:solidFill>
+                <a:latin typeface="Arial" panose="020B0604020202020204" pitchFamily="34" charset="0"/>
+                <a:ea typeface="ＭＳ Ｐゴシック" panose="020B0600070205080204" pitchFamily="34" charset="-128"/>
+              </a:defRPr>
+            </a:lvl2pPr>
+            <a:lvl3pPr marL="1143000" indent="-228600" eaLnBrk="0" hangingPunct="0">
+              <a:defRPr>
+                <a:solidFill>
+                  <a:schemeClr val="tx1"/>
+                </a:solidFill>
+                <a:latin typeface="Arial" panose="020B0604020202020204" pitchFamily="34" charset="0"/>
+                <a:ea typeface="ＭＳ Ｐゴシック" panose="020B0600070205080204" pitchFamily="34" charset="-128"/>
+              </a:defRPr>
+            </a:lvl3pPr>
+            <a:lvl4pPr marL="1600200" indent="-228600" eaLnBrk="0" hangingPunct="0">
+              <a:defRPr>
+                <a:solidFill>
+                  <a:schemeClr val="tx1"/>
+                </a:solidFill>
+                <a:latin typeface="Arial" panose="020B0604020202020204" pitchFamily="34" charset="0"/>
+                <a:ea typeface="ＭＳ Ｐゴシック" panose="020B0600070205080204" pitchFamily="34" charset="-128"/>
+              </a:defRPr>
+            </a:lvl4pPr>
+            <a:lvl5pPr marL="2057400" indent="-228600" eaLnBrk="0" hangingPunct="0">
+              <a:defRPr>
+                <a:solidFill>
+                  <a:schemeClr val="tx1"/>
+                </a:solidFill>
+                <a:latin typeface="Arial" panose="020B0604020202020204" pitchFamily="34" charset="0"/>
+                <a:ea typeface="ＭＳ Ｐゴシック" panose="020B0600070205080204" pitchFamily="34" charset="-128"/>
+              </a:defRPr>
+            </a:lvl5pPr>
+            <a:lvl6pPr marL="2514600" indent="-228600" eaLnBrk="0" fontAlgn="base" hangingPunct="0">
+              <a:spcBef>
+                <a:spcPct val="0"/>
+              </a:spcBef>
+              <a:spcAft>
+                <a:spcPct val="0"/>
+              </a:spcAft>
+              <a:defRPr>
+                <a:solidFill>
+                  <a:schemeClr val="tx1"/>
+                </a:solidFill>
+                <a:latin typeface="Arial" panose="020B0604020202020204" pitchFamily="34" charset="0"/>
+                <a:ea typeface="ＭＳ Ｐゴシック" panose="020B0600070205080204" pitchFamily="34" charset="-128"/>
+              </a:defRPr>
+            </a:lvl6pPr>
+            <a:lvl7pPr marL="2971800" indent="-228600" eaLnBrk="0" fontAlgn="base" hangingPunct="0">
+              <a:spcBef>
+                <a:spcPct val="0"/>
+              </a:spcBef>
+              <a:spcAft>
+                <a:spcPct val="0"/>
+              </a:spcAft>
+              <a:defRPr>
+                <a:solidFill>
+                  <a:schemeClr val="tx1"/>
+                </a:solidFill>
+                <a:latin typeface="Arial" panose="020B0604020202020204" pitchFamily="34" charset="0"/>
+                <a:ea typeface="ＭＳ Ｐゴシック" panose="020B0600070205080204" pitchFamily="34" charset="-128"/>
+              </a:defRPr>
+            </a:lvl7pPr>
+            <a:lvl8pPr marL="3429000" indent="-228600" eaLnBrk="0" fontAlgn="base" hangingPunct="0">
+              <a:spcBef>
+                <a:spcPct val="0"/>
+              </a:spcBef>
+              <a:spcAft>
+                <a:spcPct val="0"/>
+              </a:spcAft>
+              <a:defRPr>
+                <a:solidFill>
+                  <a:schemeClr val="tx1"/>
+                </a:solidFill>
+                <a:latin typeface="Arial" panose="020B0604020202020204" pitchFamily="34" charset="0"/>
+                <a:ea typeface="ＭＳ Ｐゴシック" panose="020B0600070205080204" pitchFamily="34" charset="-128"/>
+              </a:defRPr>
+            </a:lvl8pPr>
+            <a:lvl9pPr marL="3886200" indent="-228600" eaLnBrk="0" fontAlgn="base" hangingPunct="0">
+              <a:spcBef>
+                <a:spcPct val="0"/>
+              </a:spcBef>
+              <a:spcAft>
+                <a:spcPct val="0"/>
+              </a:spcAft>
+              <a:defRPr>
+                <a:solidFill>
+                  <a:schemeClr val="tx1"/>
+                </a:solidFill>
+                <a:latin typeface="Arial" panose="020B0604020202020204" pitchFamily="34" charset="0"/>
+                <a:ea typeface="ＭＳ Ｐゴシック" panose="020B0600070205080204" pitchFamily="34" charset="-128"/>
+              </a:defRPr>
+            </a:lvl9pPr>
+          </a:lstStyle>
+          <a:p>
+            <a:pPr eaLnBrk="1" hangingPunct="1"/>
+            <a:endParaRPr lang="en-US" altLang="en-US"/>
+          </a:p>
+        </p:txBody>
+      </p:sp>
       <p:grpSp>
         <p:nvGrpSpPr>
           <p:cNvPr id="47" name="Group 46">
@@ -13633,6 +13380,308 @@
               <a:rPr lang="en-US" b="1" dirty="0"/>
               <a:t>T8</a:t>
             </a:r>
+          </a:p>
+        </p:txBody>
+      </p:sp>
+      <p:sp>
+        <p:nvSpPr>
+          <p:cNvPr id="113" name="Rectangle 22">
+            <a:extLst>
+              <a:ext uri="{FF2B5EF4-FFF2-40B4-BE49-F238E27FC236}">
+                <a16:creationId xmlns:a16="http://schemas.microsoft.com/office/drawing/2014/main" id="{F005C089-95B1-4536-847F-5FD65B39CC61}"/>
+              </a:ext>
+            </a:extLst>
+          </p:cNvPr>
+          <p:cNvSpPr>
+            <a:spLocks noChangeArrowheads="1"/>
+          </p:cNvSpPr>
+          <p:nvPr/>
+        </p:nvSpPr>
+        <p:spPr bwMode="auto">
+          <a:xfrm>
+            <a:off x="2291227" y="6318162"/>
+            <a:ext cx="857994" cy="421213"/>
+          </a:xfrm>
+          <a:prstGeom prst="rect">
+            <a:avLst/>
+          </a:prstGeom>
+          <a:solidFill>
+            <a:schemeClr val="accent1">
+              <a:alpha val="50195"/>
+            </a:schemeClr>
+          </a:solidFill>
+          <a:ln w="9525">
+            <a:solidFill>
+              <a:schemeClr val="tx1"/>
+            </a:solidFill>
+            <a:miter lim="800000"/>
+            <a:headEnd/>
+            <a:tailEnd/>
+          </a:ln>
+        </p:spPr>
+        <p:txBody>
+          <a:bodyPr wrap="none" anchor="ctr"/>
+          <a:lstStyle>
+            <a:lvl1pPr eaLnBrk="0" hangingPunct="0">
+              <a:defRPr>
+                <a:solidFill>
+                  <a:schemeClr val="tx1"/>
+                </a:solidFill>
+                <a:latin typeface="Arial" panose="020B0604020202020204" pitchFamily="34" charset="0"/>
+                <a:ea typeface="ＭＳ Ｐゴシック" panose="020B0600070205080204" pitchFamily="34" charset="-128"/>
+              </a:defRPr>
+            </a:lvl1pPr>
+            <a:lvl2pPr marL="742950" indent="-285750" eaLnBrk="0" hangingPunct="0">
+              <a:defRPr>
+                <a:solidFill>
+                  <a:schemeClr val="tx1"/>
+                </a:solidFill>
+                <a:latin typeface="Arial" panose="020B0604020202020204" pitchFamily="34" charset="0"/>
+                <a:ea typeface="ＭＳ Ｐゴシック" panose="020B0600070205080204" pitchFamily="34" charset="-128"/>
+              </a:defRPr>
+            </a:lvl2pPr>
+            <a:lvl3pPr marL="1143000" indent="-228600" eaLnBrk="0" hangingPunct="0">
+              <a:defRPr>
+                <a:solidFill>
+                  <a:schemeClr val="tx1"/>
+                </a:solidFill>
+                <a:latin typeface="Arial" panose="020B0604020202020204" pitchFamily="34" charset="0"/>
+                <a:ea typeface="ＭＳ Ｐゴシック" panose="020B0600070205080204" pitchFamily="34" charset="-128"/>
+              </a:defRPr>
+            </a:lvl3pPr>
+            <a:lvl4pPr marL="1600200" indent="-228600" eaLnBrk="0" hangingPunct="0">
+              <a:defRPr>
+                <a:solidFill>
+                  <a:schemeClr val="tx1"/>
+                </a:solidFill>
+                <a:latin typeface="Arial" panose="020B0604020202020204" pitchFamily="34" charset="0"/>
+                <a:ea typeface="ＭＳ Ｐゴシック" panose="020B0600070205080204" pitchFamily="34" charset="-128"/>
+              </a:defRPr>
+            </a:lvl4pPr>
+            <a:lvl5pPr marL="2057400" indent="-228600" eaLnBrk="0" hangingPunct="0">
+              <a:defRPr>
+                <a:solidFill>
+                  <a:schemeClr val="tx1"/>
+                </a:solidFill>
+                <a:latin typeface="Arial" panose="020B0604020202020204" pitchFamily="34" charset="0"/>
+                <a:ea typeface="ＭＳ Ｐゴシック" panose="020B0600070205080204" pitchFamily="34" charset="-128"/>
+              </a:defRPr>
+            </a:lvl5pPr>
+            <a:lvl6pPr marL="2514600" indent="-228600" eaLnBrk="0" fontAlgn="base" hangingPunct="0">
+              <a:spcBef>
+                <a:spcPct val="0"/>
+              </a:spcBef>
+              <a:spcAft>
+                <a:spcPct val="0"/>
+              </a:spcAft>
+              <a:defRPr>
+                <a:solidFill>
+                  <a:schemeClr val="tx1"/>
+                </a:solidFill>
+                <a:latin typeface="Arial" panose="020B0604020202020204" pitchFamily="34" charset="0"/>
+                <a:ea typeface="ＭＳ Ｐゴシック" panose="020B0600070205080204" pitchFamily="34" charset="-128"/>
+              </a:defRPr>
+            </a:lvl6pPr>
+            <a:lvl7pPr marL="2971800" indent="-228600" eaLnBrk="0" fontAlgn="base" hangingPunct="0">
+              <a:spcBef>
+                <a:spcPct val="0"/>
+              </a:spcBef>
+              <a:spcAft>
+                <a:spcPct val="0"/>
+              </a:spcAft>
+              <a:defRPr>
+                <a:solidFill>
+                  <a:schemeClr val="tx1"/>
+                </a:solidFill>
+                <a:latin typeface="Arial" panose="020B0604020202020204" pitchFamily="34" charset="0"/>
+                <a:ea typeface="ＭＳ Ｐゴシック" panose="020B0600070205080204" pitchFamily="34" charset="-128"/>
+              </a:defRPr>
+            </a:lvl7pPr>
+            <a:lvl8pPr marL="3429000" indent="-228600" eaLnBrk="0" fontAlgn="base" hangingPunct="0">
+              <a:spcBef>
+                <a:spcPct val="0"/>
+              </a:spcBef>
+              <a:spcAft>
+                <a:spcPct val="0"/>
+              </a:spcAft>
+              <a:defRPr>
+                <a:solidFill>
+                  <a:schemeClr val="tx1"/>
+                </a:solidFill>
+                <a:latin typeface="Arial" panose="020B0604020202020204" pitchFamily="34" charset="0"/>
+                <a:ea typeface="ＭＳ Ｐゴシック" panose="020B0600070205080204" pitchFamily="34" charset="-128"/>
+              </a:defRPr>
+            </a:lvl8pPr>
+            <a:lvl9pPr marL="3886200" indent="-228600" eaLnBrk="0" fontAlgn="base" hangingPunct="0">
+              <a:spcBef>
+                <a:spcPct val="0"/>
+              </a:spcBef>
+              <a:spcAft>
+                <a:spcPct val="0"/>
+              </a:spcAft>
+              <a:defRPr>
+                <a:solidFill>
+                  <a:schemeClr val="tx1"/>
+                </a:solidFill>
+                <a:latin typeface="Arial" panose="020B0604020202020204" pitchFamily="34" charset="0"/>
+                <a:ea typeface="ＭＳ Ｐゴシック" panose="020B0600070205080204" pitchFamily="34" charset="-128"/>
+              </a:defRPr>
+            </a:lvl9pPr>
+          </a:lstStyle>
+          <a:p>
+            <a:pPr eaLnBrk="1" hangingPunct="1"/>
+            <a:endParaRPr lang="en-US" altLang="en-US"/>
+          </a:p>
+        </p:txBody>
+      </p:sp>
+      <p:sp>
+        <p:nvSpPr>
+          <p:cNvPr id="114" name="AutoShape 28">
+            <a:extLst>
+              <a:ext uri="{FF2B5EF4-FFF2-40B4-BE49-F238E27FC236}">
+                <a16:creationId xmlns:a16="http://schemas.microsoft.com/office/drawing/2014/main" id="{2E404444-4E09-4EF5-92C3-720C7E241A78}"/>
+              </a:ext>
+            </a:extLst>
+          </p:cNvPr>
+          <p:cNvSpPr>
+            <a:spLocks noChangeArrowheads="1"/>
+          </p:cNvSpPr>
+          <p:nvPr/>
+        </p:nvSpPr>
+        <p:spPr bwMode="auto">
+          <a:xfrm>
+            <a:off x="941060" y="8740088"/>
+            <a:ext cx="323850" cy="568325"/>
+          </a:xfrm>
+          <a:prstGeom prst="can">
+            <a:avLst>
+              <a:gd name="adj" fmla="val 43873"/>
+            </a:avLst>
+          </a:prstGeom>
+          <a:solidFill>
+            <a:srgbClr val="73D9F1"/>
+          </a:solidFill>
+          <a:ln w="9525">
+            <a:solidFill>
+              <a:schemeClr val="tx1"/>
+            </a:solidFill>
+            <a:round/>
+            <a:headEnd/>
+            <a:tailEnd/>
+          </a:ln>
+        </p:spPr>
+        <p:txBody>
+          <a:bodyPr wrap="none" anchor="ctr"/>
+          <a:lstStyle>
+            <a:lvl1pPr eaLnBrk="0" hangingPunct="0">
+              <a:defRPr>
+                <a:solidFill>
+                  <a:schemeClr val="tx1"/>
+                </a:solidFill>
+                <a:latin typeface="Arial" panose="020B0604020202020204" pitchFamily="34" charset="0"/>
+                <a:ea typeface="ＭＳ Ｐゴシック" panose="020B0600070205080204" pitchFamily="34" charset="-128"/>
+              </a:defRPr>
+            </a:lvl1pPr>
+            <a:lvl2pPr marL="742950" indent="-285750" eaLnBrk="0" hangingPunct="0">
+              <a:defRPr>
+                <a:solidFill>
+                  <a:schemeClr val="tx1"/>
+                </a:solidFill>
+                <a:latin typeface="Arial" panose="020B0604020202020204" pitchFamily="34" charset="0"/>
+                <a:ea typeface="ＭＳ Ｐゴシック" panose="020B0600070205080204" pitchFamily="34" charset="-128"/>
+              </a:defRPr>
+            </a:lvl2pPr>
+            <a:lvl3pPr marL="1143000" indent="-228600" eaLnBrk="0" hangingPunct="0">
+              <a:defRPr>
+                <a:solidFill>
+                  <a:schemeClr val="tx1"/>
+                </a:solidFill>
+                <a:latin typeface="Arial" panose="020B0604020202020204" pitchFamily="34" charset="0"/>
+                <a:ea typeface="ＭＳ Ｐゴシック" panose="020B0600070205080204" pitchFamily="34" charset="-128"/>
+              </a:defRPr>
+            </a:lvl3pPr>
+            <a:lvl4pPr marL="1600200" indent="-228600" eaLnBrk="0" hangingPunct="0">
+              <a:defRPr>
+                <a:solidFill>
+                  <a:schemeClr val="tx1"/>
+                </a:solidFill>
+                <a:latin typeface="Arial" panose="020B0604020202020204" pitchFamily="34" charset="0"/>
+                <a:ea typeface="ＭＳ Ｐゴシック" panose="020B0600070205080204" pitchFamily="34" charset="-128"/>
+              </a:defRPr>
+            </a:lvl4pPr>
+            <a:lvl5pPr marL="2057400" indent="-228600" eaLnBrk="0" hangingPunct="0">
+              <a:defRPr>
+                <a:solidFill>
+                  <a:schemeClr val="tx1"/>
+                </a:solidFill>
+                <a:latin typeface="Arial" panose="020B0604020202020204" pitchFamily="34" charset="0"/>
+                <a:ea typeface="ＭＳ Ｐゴシック" panose="020B0600070205080204" pitchFamily="34" charset="-128"/>
+              </a:defRPr>
+            </a:lvl5pPr>
+            <a:lvl6pPr marL="2514600" indent="-228600" eaLnBrk="0" fontAlgn="base" hangingPunct="0">
+              <a:spcBef>
+                <a:spcPct val="0"/>
+              </a:spcBef>
+              <a:spcAft>
+                <a:spcPct val="0"/>
+              </a:spcAft>
+              <a:defRPr>
+                <a:solidFill>
+                  <a:schemeClr val="tx1"/>
+                </a:solidFill>
+                <a:latin typeface="Arial" panose="020B0604020202020204" pitchFamily="34" charset="0"/>
+                <a:ea typeface="ＭＳ Ｐゴシック" panose="020B0600070205080204" pitchFamily="34" charset="-128"/>
+              </a:defRPr>
+            </a:lvl6pPr>
+            <a:lvl7pPr marL="2971800" indent="-228600" eaLnBrk="0" fontAlgn="base" hangingPunct="0">
+              <a:spcBef>
+                <a:spcPct val="0"/>
+              </a:spcBef>
+              <a:spcAft>
+                <a:spcPct val="0"/>
+              </a:spcAft>
+              <a:defRPr>
+                <a:solidFill>
+                  <a:schemeClr val="tx1"/>
+                </a:solidFill>
+                <a:latin typeface="Arial" panose="020B0604020202020204" pitchFamily="34" charset="0"/>
+                <a:ea typeface="ＭＳ Ｐゴシック" panose="020B0600070205080204" pitchFamily="34" charset="-128"/>
+              </a:defRPr>
+            </a:lvl7pPr>
+            <a:lvl8pPr marL="3429000" indent="-228600" eaLnBrk="0" fontAlgn="base" hangingPunct="0">
+              <a:spcBef>
+                <a:spcPct val="0"/>
+              </a:spcBef>
+              <a:spcAft>
+                <a:spcPct val="0"/>
+              </a:spcAft>
+              <a:defRPr>
+                <a:solidFill>
+                  <a:schemeClr val="tx1"/>
+                </a:solidFill>
+                <a:latin typeface="Arial" panose="020B0604020202020204" pitchFamily="34" charset="0"/>
+                <a:ea typeface="ＭＳ Ｐゴシック" panose="020B0600070205080204" pitchFamily="34" charset="-128"/>
+              </a:defRPr>
+            </a:lvl8pPr>
+            <a:lvl9pPr marL="3886200" indent="-228600" eaLnBrk="0" fontAlgn="base" hangingPunct="0">
+              <a:spcBef>
+                <a:spcPct val="0"/>
+              </a:spcBef>
+              <a:spcAft>
+                <a:spcPct val="0"/>
+              </a:spcAft>
+              <a:defRPr>
+                <a:solidFill>
+                  <a:schemeClr val="tx1"/>
+                </a:solidFill>
+                <a:latin typeface="Arial" panose="020B0604020202020204" pitchFamily="34" charset="0"/>
+                <a:ea typeface="ＭＳ Ｐゴシック" panose="020B0600070205080204" pitchFamily="34" charset="-128"/>
+              </a:defRPr>
+            </a:lvl9pPr>
+          </a:lstStyle>
+          <a:p>
+            <a:pPr eaLnBrk="1" hangingPunct="1"/>
+            <a:endParaRPr lang="en-US" altLang="en-US"/>
           </a:p>
         </p:txBody>
       </p:sp>
